--- a/rspamd/test_rspamd.pptx
+++ b/rspamd/test_rspamd.pptx
@@ -3686,6 +3686,25 @@
             </a:r>
           </a:p>
           <a:p>
+            <a:r>
+              <a:rPr lang="en-US" dirty="0"/>
+              <a:t>Then open the </a:t>
+            </a:r>
+            <a:r>
+              <a:rPr lang="en-US" dirty="0" err="1"/>
+              <a:t>Rspamd</a:t>
+            </a:r>
+            <a:r>
+              <a:rPr lang="en-US" dirty="0"/>
+              <a:t> </a:t>
+            </a:r>
+            <a:r>
+              <a:rPr lang="en-US"/>
+              <a:t>web interface</a:t>
+            </a:r>
+            <a:endParaRPr lang="en-US" dirty="0"/>
+          </a:p>
+          <a:p>
             <a:endParaRPr lang="en-US" dirty="0"/>
           </a:p>
         </p:txBody>
@@ -3737,41 +3756,24 @@
           <a:p>
             <a:r>
               <a:rPr lang="en-US" dirty="0"/>
-              <a:t>Click on the # on the email</a:t>
-            </a:r>
-          </a:p>
-        </p:txBody>
-      </p:sp>
-      <p:pic>
-        <p:nvPicPr>
-          <p:cNvPr id="4" name="Picture 3" descr="Screen Shot 2015-05-29 at 2.43.34 PM.png"/>
-          <p:cNvPicPr>
-            <a:picLocks noChangeAspect="1"/>
-          </p:cNvPicPr>
-          <p:nvPr/>
-        </p:nvPicPr>
-        <p:blipFill>
-          <a:blip r:embed="rId3">
-            <a:extLst>
-              <a:ext uri="{28A0092B-C50C-407E-A947-70E740481C1C}">
-                <a14:useLocalDpi xmlns:a14="http://schemas.microsoft.com/office/drawing/2010/main" val="0"/>
-              </a:ext>
-            </a:extLst>
-          </a:blip>
-          <a:stretch>
-            <a:fillRect/>
-          </a:stretch>
-        </p:blipFill>
-        <p:spPr>
-          <a:xfrm>
-            <a:off x="774700" y="3200399"/>
-            <a:ext cx="7594600" cy="656851"/>
-          </a:xfrm>
-          <a:prstGeom prst="rect">
-            <a:avLst/>
-          </a:prstGeom>
-        </p:spPr>
-      </p:pic>
+              <a:t>Login to </a:t>
+            </a:r>
+            <a:r>
+              <a:rPr lang="en-US" dirty="0" err="1"/>
+              <a:t>Rspamd</a:t>
+            </a:r>
+            <a:r>
+              <a:rPr lang="en-US" dirty="0"/>
+              <a:t> </a:t>
+            </a:r>
+            <a:r>
+              <a:rPr lang="en-US"/>
+              <a:t>Web Interface</a:t>
+            </a:r>
+            <a:endParaRPr lang="en-US" dirty="0"/>
+          </a:p>
+        </p:txBody>
+      </p:sp>
     </p:spTree>
     <p:extLst>
       <p:ext uri="{BB962C8B-B14F-4D97-AF65-F5344CB8AC3E}">
